--- a/W-distance.pptx
+++ b/W-distance.pptx
@@ -2755,7 +2755,7 @@
                   </a:schemeClr>
                 </a:solidFill>
               </a:rPr>
-              <a:t>2021/11/01</a:t>
+              <a:t>2021/11/10</a:t>
             </a:r>
             <a:endParaRPr lang="en-US" altLang="zh-CN">
               <a:solidFill>
@@ -9871,18 +9871,7 @@
                 </a:solidFill>
                 <a:sym typeface="+mn-ea"/>
               </a:rPr>
-              <a:t>Amirhossein</a:t>
-            </a:r>
-            <a:r>
-              <a:rPr lang="en-US" altLang="zh-CN" i="1">
-                <a:solidFill>
-                  <a:schemeClr val="accent2">
-                    <a:lumMod val="50000"/>
-                  </a:schemeClr>
-                </a:solidFill>
-                <a:sym typeface="+mn-ea"/>
-              </a:rPr>
-              <a:t>, 2019</a:t>
+              <a:t>Amirhossein, 2019</a:t>
             </a:r>
             <a:r>
               <a:rPr lang="en-US" altLang="zh-CN">
@@ -9952,18 +9941,7 @@
                 </a:solidFill>
                 <a:sym typeface="+mn-ea"/>
               </a:rPr>
-              <a:t>Amos</a:t>
-            </a:r>
-            <a:r>
-              <a:rPr lang="en-US" altLang="zh-CN" i="1">
-                <a:solidFill>
-                  <a:schemeClr val="accent2">
-                    <a:lumMod val="50000"/>
-                  </a:schemeClr>
-                </a:solidFill>
-                <a:sym typeface="+mn-ea"/>
-              </a:rPr>
-              <a:t>, 2017</a:t>
+              <a:t>Amos, 2017</a:t>
             </a:r>
             <a:r>
               <a:rPr lang="en-US" altLang="zh-CN">
@@ -12865,9 +12843,51 @@
           </a:p>
         </p:txBody>
       </p:sp>
+      <p:sp>
+        <p:nvSpPr>
+          <p:cNvPr id="9" name="文本框 8"/>
+          <p:cNvSpPr txBox="1"/>
+          <p:nvPr/>
+        </p:nvSpPr>
+        <p:spPr>
+          <a:xfrm>
+            <a:off x="4759325" y="1761490"/>
+            <a:ext cx="2673350" cy="368300"/>
+          </a:xfrm>
+          <a:prstGeom prst="rect">
+            <a:avLst/>
+          </a:prstGeom>
+          <a:noFill/>
+        </p:spPr>
+        <p:txBody>
+          <a:bodyPr wrap="square" rtlCol="0">
+            <a:spAutoFit/>
+          </a:bodyPr>
+          <a:p>
+            <a:pPr algn="ctr"/>
+            <a:r>
+              <a:rPr lang="en-US" altLang="zh-CN">
+                <a:solidFill>
+                  <a:schemeClr val="accent2">
+                    <a:lumMod val="50000"/>
+                  </a:schemeClr>
+                </a:solidFill>
+              </a:rPr>
+              <a:t>Strong duality for LP</a:t>
+            </a:r>
+            <a:endParaRPr lang="en-US" altLang="zh-CN">
+              <a:solidFill>
+                <a:schemeClr val="accent2">
+                  <a:lumMod val="50000"/>
+                </a:schemeClr>
+              </a:solidFill>
+            </a:endParaRPr>
+          </a:p>
+        </p:txBody>
+      </p:sp>
       <p:pic>
         <p:nvPicPr>
-          <p:cNvPr id="6" name="图片 5"/>
+          <p:cNvPr id="3" name="图片 2"/>
           <p:cNvPicPr>
             <a:picLocks noChangeAspect="1"/>
           </p:cNvPicPr>
@@ -12881,8 +12901,8 @@
         </p:blipFill>
         <p:spPr>
           <a:xfrm>
-            <a:off x="5716270" y="1500505"/>
-            <a:ext cx="5592445" cy="2359660"/>
+            <a:off x="3219450" y="2117725"/>
+            <a:ext cx="5753100" cy="850900"/>
           </a:xfrm>
           <a:prstGeom prst="rect">
             <a:avLst/>
@@ -12891,7 +12911,7 @@
       </p:pic>
       <p:pic>
         <p:nvPicPr>
-          <p:cNvPr id="7" name="图片 6"/>
+          <p:cNvPr id="10" name="图片 9"/>
           <p:cNvPicPr>
             <a:picLocks noChangeAspect="1"/>
           </p:cNvPicPr>
@@ -12905,48 +12925,24 @@
         </p:blipFill>
         <p:spPr>
           <a:xfrm>
-            <a:off x="112395" y="3203575"/>
-            <a:ext cx="4889500" cy="741680"/>
+            <a:off x="267335" y="3738880"/>
+            <a:ext cx="5592445" cy="2359660"/>
           </a:xfrm>
           <a:prstGeom prst="rect">
             <a:avLst/>
           </a:prstGeom>
         </p:spPr>
       </p:pic>
-      <p:pic>
-        <p:nvPicPr>
-          <p:cNvPr id="8" name="图片 7"/>
-          <p:cNvPicPr>
-            <a:picLocks noChangeAspect="1"/>
-          </p:cNvPicPr>
-          <p:nvPr/>
-        </p:nvPicPr>
-        <p:blipFill>
-          <a:blip r:embed="rId3"/>
-          <a:stretch>
-            <a:fillRect/>
-          </a:stretch>
-        </p:blipFill>
-        <p:spPr>
-          <a:xfrm>
-            <a:off x="5786120" y="4876165"/>
-            <a:ext cx="6020435" cy="1363345"/>
-          </a:xfrm>
-          <a:prstGeom prst="rect">
-            <a:avLst/>
-          </a:prstGeom>
-        </p:spPr>
-      </p:pic>
-      <p:sp>
-        <p:nvSpPr>
-          <p:cNvPr id="9" name="文本框 8"/>
+      <p:sp>
+        <p:nvSpPr>
+          <p:cNvPr id="12" name="文本框 11"/>
           <p:cNvSpPr txBox="1"/>
           <p:nvPr/>
         </p:nvSpPr>
         <p:spPr>
           <a:xfrm>
-            <a:off x="1220470" y="2858770"/>
-            <a:ext cx="2673350" cy="368300"/>
+            <a:off x="2197735" y="3394075"/>
+            <a:ext cx="2561590" cy="368300"/>
           </a:xfrm>
           <a:prstGeom prst="rect">
             <a:avLst/>
@@ -12967,7 +12963,7 @@
                   </a:schemeClr>
                 </a:solidFill>
               </a:rPr>
-              <a:t>Strong duality for LP</a:t>
+              <a:t>Primary</a:t>
             </a:r>
             <a:endParaRPr lang="en-US" altLang="zh-CN">
               <a:solidFill>
@@ -12979,15 +12975,40 @@
           </a:p>
         </p:txBody>
       </p:sp>
-      <p:sp>
-        <p:nvSpPr>
-          <p:cNvPr id="13" name="文本框 12"/>
+      <p:pic>
+        <p:nvPicPr>
+          <p:cNvPr id="16" name="图片 15"/>
+          <p:cNvPicPr>
+            <a:picLocks noChangeAspect="1"/>
+          </p:cNvPicPr>
+          <p:nvPr/>
+        </p:nvPicPr>
+        <p:blipFill>
+          <a:blip r:embed="rId3"/>
+          <a:srcRect r="4947"/>
+          <a:stretch>
+            <a:fillRect/>
+          </a:stretch>
+        </p:blipFill>
+        <p:spPr>
+          <a:xfrm>
+            <a:off x="6367145" y="3738880"/>
+            <a:ext cx="5722620" cy="1363345"/>
+          </a:xfrm>
+          <a:prstGeom prst="rect">
+            <a:avLst/>
+          </a:prstGeom>
+        </p:spPr>
+      </p:pic>
+      <p:sp>
+        <p:nvSpPr>
+          <p:cNvPr id="17" name="文本框 16"/>
           <p:cNvSpPr txBox="1"/>
           <p:nvPr/>
         </p:nvSpPr>
         <p:spPr>
           <a:xfrm>
-            <a:off x="7508875" y="1146175"/>
+            <a:off x="7432675" y="3389630"/>
             <a:ext cx="2561590" cy="368300"/>
           </a:xfrm>
           <a:prstGeom prst="rect">
@@ -13009,7 +13030,7 @@
                   </a:schemeClr>
                 </a:solidFill>
               </a:rPr>
-              <a:t>Primary</a:t>
+              <a:t>Dual</a:t>
             </a:r>
             <a:endParaRPr lang="en-US" altLang="zh-CN">
               <a:solidFill>
@@ -13023,55 +13044,55 @@
       </p:sp>
       <p:sp>
         <p:nvSpPr>
-          <p:cNvPr id="11" name="文本框 10"/>
-          <p:cNvSpPr txBox="1"/>
-          <p:nvPr/>
-        </p:nvSpPr>
-        <p:spPr>
-          <a:xfrm>
-            <a:off x="7509510" y="4442460"/>
-            <a:ext cx="2561590" cy="368300"/>
-          </a:xfrm>
-          <a:prstGeom prst="rect">
-            <a:avLst/>
-          </a:prstGeom>
-          <a:noFill/>
-        </p:spPr>
-        <p:txBody>
-          <a:bodyPr wrap="square" rtlCol="0">
-            <a:spAutoFit/>
-          </a:bodyPr>
+          <p:cNvPr id="18" name="下箭头 17"/>
+          <p:cNvSpPr/>
+          <p:nvPr/>
+        </p:nvSpPr>
+        <p:spPr>
+          <a:xfrm>
+            <a:off x="3467735" y="2968625"/>
+            <a:ext cx="213360" cy="345440"/>
+          </a:xfrm>
+          <a:prstGeom prst="downArrow">
+            <a:avLst>
+              <a:gd name="adj1" fmla="val 50000"/>
+              <a:gd name="adj2" fmla="val 49927"/>
+            </a:avLst>
+          </a:prstGeom>
+        </p:spPr>
+        <p:style>
+          <a:lnRef idx="2">
+            <a:schemeClr val="accent1">
+              <a:shade val="50000"/>
+            </a:schemeClr>
+          </a:lnRef>
+          <a:fillRef idx="1">
+            <a:schemeClr val="accent1"/>
+          </a:fillRef>
+          <a:effectRef idx="0">
+            <a:schemeClr val="accent1"/>
+          </a:effectRef>
+          <a:fontRef idx="minor">
+            <a:schemeClr val="lt1"/>
+          </a:fontRef>
+        </p:style>
+        <p:txBody>
+          <a:bodyPr rtlCol="0" anchor="ctr"/>
           <a:p>
             <a:pPr algn="ctr"/>
-            <a:r>
-              <a:rPr lang="en-US" altLang="zh-CN">
-                <a:solidFill>
-                  <a:schemeClr val="accent2">
-                    <a:lumMod val="50000"/>
-                  </a:schemeClr>
-                </a:solidFill>
-              </a:rPr>
-              <a:t>Dual</a:t>
-            </a:r>
-            <a:endParaRPr lang="en-US" altLang="zh-CN">
-              <a:solidFill>
-                <a:schemeClr val="accent2">
-                  <a:lumMod val="50000"/>
-                </a:schemeClr>
-              </a:solidFill>
-            </a:endParaRPr>
-          </a:p>
-        </p:txBody>
-      </p:sp>
-      <p:sp>
-        <p:nvSpPr>
-          <p:cNvPr id="15" name="下箭头 14"/>
+            <a:endParaRPr lang="zh-CN" altLang="en-US"/>
+          </a:p>
+        </p:txBody>
+      </p:sp>
+      <p:sp>
+        <p:nvSpPr>
+          <p:cNvPr id="19" name="下箭头 18"/>
           <p:cNvSpPr/>
           <p:nvPr/>
         </p:nvSpPr>
         <p:spPr>
           <a:xfrm>
-            <a:off x="8682990" y="3852545"/>
+            <a:off x="8606790" y="2968625"/>
             <a:ext cx="213360" cy="345440"/>
           </a:xfrm>
           <a:prstGeom prst="downArrow">
@@ -13280,7 +13301,7 @@
         </p:blipFill>
         <p:spPr>
           <a:xfrm>
-            <a:off x="5001895" y="1967865"/>
+            <a:off x="5001895" y="2447290"/>
             <a:ext cx="4724400" cy="1079500"/>
           </a:xfrm>
           <a:prstGeom prst="rect">
@@ -13304,7 +13325,7 @@
         </p:blipFill>
         <p:spPr>
           <a:xfrm>
-            <a:off x="6329680" y="3303905"/>
+            <a:off x="6143625" y="3579495"/>
             <a:ext cx="2552700" cy="1295400"/>
           </a:xfrm>
           <a:prstGeom prst="rect">
@@ -13320,7 +13341,7 @@
         </p:nvSpPr>
         <p:spPr>
           <a:xfrm>
-            <a:off x="5321300" y="4874895"/>
+            <a:off x="5321300" y="4927600"/>
             <a:ext cx="4085590" cy="645160"/>
           </a:xfrm>
           <a:prstGeom prst="rect">
@@ -13438,7 +13459,7 @@
         </p:blipFill>
         <p:spPr>
           <a:xfrm>
-            <a:off x="8283575" y="1181735"/>
+            <a:off x="8376285" y="1701800"/>
             <a:ext cx="3759200" cy="571500"/>
           </a:xfrm>
           <a:prstGeom prst="rect">
@@ -13449,14 +13470,12 @@
       <p:cxnSp>
         <p:nvCxnSpPr>
           <p:cNvPr id="15" name="直接箭头连接符 14"/>
-          <p:cNvCxnSpPr>
-            <a:endCxn id="14" idx="2"/>
-          </p:cNvCxnSpPr>
+          <p:cNvCxnSpPr/>
           <p:nvPr/>
         </p:nvCxnSpPr>
         <p:spPr>
           <a:xfrm flipV="1">
-            <a:off x="8521700" y="1753235"/>
+            <a:off x="7943850" y="2299970"/>
             <a:ext cx="1641475" cy="473710"/>
           </a:xfrm>
           <a:prstGeom prst="straightConnector1">
@@ -13489,7 +13508,7 @@
         </p:nvSpPr>
         <p:spPr>
           <a:xfrm>
-            <a:off x="8882380" y="965200"/>
+            <a:off x="9406890" y="2126615"/>
             <a:ext cx="2561590" cy="368300"/>
           </a:xfrm>
           <a:prstGeom prst="rect">
@@ -13511,7 +13530,7 @@
                   </a:schemeClr>
                 </a:solidFill>
               </a:rPr>
-              <a:t>cost definition</a:t>
+              <a:t>cost function</a:t>
             </a:r>
             <a:endParaRPr lang="en-US" altLang="zh-CN">
               <a:solidFill>
@@ -13531,7 +13550,7 @@
         </p:nvSpPr>
         <p:spPr>
           <a:xfrm>
-            <a:off x="9406890" y="3632835"/>
+            <a:off x="9406890" y="3904615"/>
             <a:ext cx="2561590" cy="645160"/>
           </a:xfrm>
           <a:prstGeom prst="rect">
@@ -13593,7 +13612,7 @@
         </p:nvCxnSpPr>
         <p:spPr>
           <a:xfrm>
-            <a:off x="8623935" y="3946525"/>
+            <a:off x="8623935" y="4281805"/>
             <a:ext cx="782955" cy="0"/>
           </a:xfrm>
           <a:prstGeom prst="straightConnector1">
